--- a/Project Review 2.pptx
+++ b/Project Review 2.pptx
@@ -5,16 +5,18 @@
     <p:sldMasterId id="2147483658" r:id="rId4"/>
   </p:sldMasterIdLst>
   <p:notesMasterIdLst>
-    <p:notesMasterId r:id="rId9"/>
+    <p:notesMasterId r:id="rId11"/>
   </p:notesMasterIdLst>
   <p:handoutMasterIdLst>
-    <p:handoutMasterId r:id="rId10"/>
+    <p:handoutMasterId r:id="rId12"/>
   </p:handoutMasterIdLst>
   <p:sldIdLst>
     <p:sldId id="410" r:id="rId5"/>
     <p:sldId id="411" r:id="rId6"/>
     <p:sldId id="383" r:id="rId7"/>
-    <p:sldId id="398" r:id="rId8"/>
+    <p:sldId id="412" r:id="rId8"/>
+    <p:sldId id="413" r:id="rId9"/>
+    <p:sldId id="398" r:id="rId10"/>
   </p:sldIdLst>
   <p:sldSz cx="12192000" cy="6858000"/>
   <p:notesSz cx="6858000" cy="9144000"/>
@@ -991,7 +993,7 @@
           <a:p>
             <a:fld id="{A89C7E07-3C67-C64C-8DA0-0404F6303970}" type="slidenum">
               <a:rPr lang="en-US" smtClean="0"/>
-              <a:t>4</a:t>
+              <a:t>6</a:t>
             </a:fld>
             <a:endParaRPr lang="en-US" dirty="0"/>
           </a:p>
@@ -9644,6 +9646,183 @@
 </file>
 
 <file path=ppt/slides/slide4.xml><?xml version="1.0" encoding="utf-8"?>
+<p:sld xmlns:a="http://schemas.openxmlformats.org/drawingml/2006/main" xmlns:r="http://schemas.openxmlformats.org/officeDocument/2006/relationships" xmlns:p="http://schemas.openxmlformats.org/presentationml/2006/main">
+  <p:cSld>
+    <p:spTree>
+      <p:nvGrpSpPr>
+        <p:cNvPr id="1" name=""/>
+        <p:cNvGrpSpPr/>
+        <p:nvPr/>
+      </p:nvGrpSpPr>
+      <p:grpSpPr>
+        <a:xfrm>
+          <a:off x="0" y="0"/>
+          <a:ext cx="0" cy="0"/>
+          <a:chOff x="0" y="0"/>
+          <a:chExt cx="0" cy="0"/>
+        </a:xfrm>
+      </p:grpSpPr>
+      <p:sp>
+        <p:nvSpPr>
+          <p:cNvPr id="2" name="Title 1">
+            <a:extLst>
+              <a:ext uri="{FF2B5EF4-FFF2-40B4-BE49-F238E27FC236}">
+                <a16:creationId xmlns:a16="http://schemas.microsoft.com/office/drawing/2014/main" id="{3D77D085-C1A2-D1CE-0706-0182B3369E80}"/>
+              </a:ext>
+            </a:extLst>
+          </p:cNvPr>
+          <p:cNvSpPr>
+            <a:spLocks noGrp="1"/>
+          </p:cNvSpPr>
+          <p:nvPr>
+            <p:ph type="title"/>
+          </p:nvPr>
+        </p:nvSpPr>
+        <p:spPr/>
+        <p:txBody>
+          <a:bodyPr/>
+          <a:lstStyle/>
+          <a:p>
+            <a:r>
+              <a:rPr lang="en-US" dirty="0"/>
+              <a:t>Problem Statement</a:t>
+            </a:r>
+            <a:endParaRPr lang="en-IN" dirty="0"/>
+          </a:p>
+        </p:txBody>
+      </p:sp>
+      <p:sp>
+        <p:nvSpPr>
+          <p:cNvPr id="3" name="Content Placeholder 2">
+            <a:extLst>
+              <a:ext uri="{FF2B5EF4-FFF2-40B4-BE49-F238E27FC236}">
+                <a16:creationId xmlns:a16="http://schemas.microsoft.com/office/drawing/2014/main" id="{76C53B1E-ABB0-07FD-51AA-60C00DEF74EB}"/>
+              </a:ext>
+            </a:extLst>
+          </p:cNvPr>
+          <p:cNvSpPr>
+            <a:spLocks noGrp="1"/>
+          </p:cNvSpPr>
+          <p:nvPr>
+            <p:ph sz="quarter" idx="13"/>
+          </p:nvPr>
+        </p:nvSpPr>
+        <p:spPr/>
+        <p:txBody>
+          <a:bodyPr/>
+          <a:lstStyle/>
+          <a:p>
+            <a:pPr marL="0" indent="0">
+              <a:buNone/>
+            </a:pPr>
+            <a:r>
+              <a:rPr lang="en-US" sz="2800" dirty="0"/>
+              <a:t>The project addresses the challenge of traffic delays faced by ambulances in urban areas. By using real-time data from traffic sensors, and cameras, the system will automatically control traffic signals to prioritize ambulances. This will clear their path at intersections, reducing response times and improving the efficiency of emergency services, ultimately saving lives.</a:t>
+            </a:r>
+          </a:p>
+          <a:p>
+            <a:endParaRPr lang="en-IN" dirty="0"/>
+          </a:p>
+        </p:txBody>
+      </p:sp>
+    </p:spTree>
+    <p:extLst>
+      <p:ext uri="{BB962C8B-B14F-4D97-AF65-F5344CB8AC3E}">
+        <p14:creationId xmlns:p14="http://schemas.microsoft.com/office/powerpoint/2010/main" val="2799907059"/>
+      </p:ext>
+    </p:extLst>
+  </p:cSld>
+  <p:clrMapOvr>
+    <a:masterClrMapping/>
+  </p:clrMapOvr>
+</p:sld>
+</file>
+
+<file path=ppt/slides/slide5.xml><?xml version="1.0" encoding="utf-8"?>
+<p:sld xmlns:a="http://schemas.openxmlformats.org/drawingml/2006/main" xmlns:r="http://schemas.openxmlformats.org/officeDocument/2006/relationships" xmlns:p="http://schemas.openxmlformats.org/presentationml/2006/main">
+  <p:cSld>
+    <p:spTree>
+      <p:nvGrpSpPr>
+        <p:cNvPr id="1" name=""/>
+        <p:cNvGrpSpPr/>
+        <p:nvPr/>
+      </p:nvGrpSpPr>
+      <p:grpSpPr>
+        <a:xfrm>
+          <a:off x="0" y="0"/>
+          <a:ext cx="0" cy="0"/>
+          <a:chOff x="0" y="0"/>
+          <a:chExt cx="0" cy="0"/>
+        </a:xfrm>
+      </p:grpSpPr>
+      <p:sp>
+        <p:nvSpPr>
+          <p:cNvPr id="2" name="Title 1">
+            <a:extLst>
+              <a:ext uri="{FF2B5EF4-FFF2-40B4-BE49-F238E27FC236}">
+                <a16:creationId xmlns:a16="http://schemas.microsoft.com/office/drawing/2014/main" id="{7CF7774F-91B6-8117-EE41-B4D4C8101979}"/>
+              </a:ext>
+            </a:extLst>
+          </p:cNvPr>
+          <p:cNvSpPr>
+            <a:spLocks noGrp="1"/>
+          </p:cNvSpPr>
+          <p:nvPr>
+            <p:ph type="title"/>
+          </p:nvPr>
+        </p:nvSpPr>
+        <p:spPr/>
+        <p:txBody>
+          <a:bodyPr/>
+          <a:lstStyle/>
+          <a:p>
+            <a:r>
+              <a:rPr lang="en-US" dirty="0"/>
+              <a:t>Objectives</a:t>
+            </a:r>
+            <a:endParaRPr lang="en-IN" dirty="0"/>
+          </a:p>
+        </p:txBody>
+      </p:sp>
+      <p:sp>
+        <p:nvSpPr>
+          <p:cNvPr id="3" name="Content Placeholder 2">
+            <a:extLst>
+              <a:ext uri="{FF2B5EF4-FFF2-40B4-BE49-F238E27FC236}">
+                <a16:creationId xmlns:a16="http://schemas.microsoft.com/office/drawing/2014/main" id="{C5F0D9AE-A9E1-7467-904F-213A0F30DE77}"/>
+              </a:ext>
+            </a:extLst>
+          </p:cNvPr>
+          <p:cNvSpPr>
+            <a:spLocks noGrp="1"/>
+          </p:cNvSpPr>
+          <p:nvPr>
+            <p:ph sz="quarter" idx="13"/>
+          </p:nvPr>
+        </p:nvSpPr>
+        <p:spPr/>
+        <p:txBody>
+          <a:bodyPr/>
+          <a:lstStyle/>
+          <a:p>
+            <a:endParaRPr lang="en-IN"/>
+          </a:p>
+        </p:txBody>
+      </p:sp>
+    </p:spTree>
+    <p:extLst>
+      <p:ext uri="{BB962C8B-B14F-4D97-AF65-F5344CB8AC3E}">
+        <p14:creationId xmlns:p14="http://schemas.microsoft.com/office/powerpoint/2010/main" val="2599919857"/>
+      </p:ext>
+    </p:extLst>
+  </p:cSld>
+  <p:clrMapOvr>
+    <a:masterClrMapping/>
+  </p:clrMapOvr>
+</p:sld>
+</file>
+
+<file path=ppt/slides/slide6.xml><?xml version="1.0" encoding="utf-8"?>
 <p:sld xmlns:a="http://schemas.openxmlformats.org/drawingml/2006/main" xmlns:r="http://schemas.openxmlformats.org/officeDocument/2006/relationships" xmlns:p="http://schemas.openxmlformats.org/presentationml/2006/main">
   <p:cSld>
     <p:spTree>
@@ -10551,15 +10730,6 @@
 </file>
 
 <file path=customXml/item2.xml><?xml version="1.0" encoding="utf-8"?>
-<?mso-contentType ?>
-<FormTemplates xmlns="http://schemas.microsoft.com/sharepoint/v3/contenttype/forms">
-  <Display>DocumentLibraryForm</Display>
-  <Edit>DocumentLibraryForm</Edit>
-  <New>DocumentLibraryForm</New>
-</FormTemplates>
-</file>
-
-<file path=customXml/item3.xml><?xml version="1.0" encoding="utf-8"?>
 <ct:contentTypeSchema xmlns:ct="http://schemas.microsoft.com/office/2006/metadata/contentType" xmlns:ma="http://schemas.microsoft.com/office/2006/metadata/properties/metaAttributes" ct:_="" ma:_="" ma:contentTypeName="Document" ma:contentTypeID="0x01010079F111ED35F8CC479449609E8A0923A6" ma:contentTypeVersion="28" ma:contentTypeDescription="Create a new document." ma:contentTypeScope="" ma:versionID="60f5a4f2d2b0abadcf532d48ebf9cb71">
   <xsd:schema xmlns:xsd="http://www.w3.org/2001/XMLSchema" xmlns:xs="http://www.w3.org/2001/XMLSchema" xmlns:p="http://schemas.microsoft.com/office/2006/metadata/properties" xmlns:ns1="http://schemas.microsoft.com/sharepoint/v3" xmlns:ns2="71af3243-3dd4-4a8d-8c0d-dd76da1f02a5" xmlns:ns3="16c05727-aa75-4e4a-9b5f-8a80a1165891" xmlns:ns4="230e9df3-be65-4c73-a93b-d1236ebd677e" targetNamespace="http://schemas.microsoft.com/office/2006/metadata/properties" ma:root="true" ma:fieldsID="7dd78129e6a1811f84807ad11c651531" ns1:_="" ns2:_="" ns3:_="" ns4:_="">
     <xsd:import namespace="http://schemas.microsoft.com/sharepoint/v3"/>
@@ -10871,6 +11041,15 @@
 </ct:contentTypeSchema>
 </file>
 
+<file path=customXml/item3.xml><?xml version="1.0" encoding="utf-8"?>
+<?mso-contentType ?>
+<FormTemplates xmlns="http://schemas.microsoft.com/sharepoint/v3/contenttype/forms">
+  <Display>DocumentLibraryForm</Display>
+  <Edit>DocumentLibraryForm</Edit>
+  <New>DocumentLibraryForm</New>
+</FormTemplates>
+</file>
+
 <file path=customXml/itemProps1.xml><?xml version="1.0" encoding="utf-8"?>
 <ds:datastoreItem xmlns:ds="http://schemas.openxmlformats.org/officeDocument/2006/customXml" ds:itemID="{4F4B194E-8B30-4377-8C59-ECFB902D2A26}">
   <ds:schemaRefs>
@@ -10884,14 +11063,6 @@
 </file>
 
 <file path=customXml/itemProps2.xml><?xml version="1.0" encoding="utf-8"?>
-<ds:datastoreItem xmlns:ds="http://schemas.openxmlformats.org/officeDocument/2006/customXml" ds:itemID="{C21FFAC0-05A2-416A-B06C-C248395482CF}">
-  <ds:schemaRefs>
-    <ds:schemaRef ds:uri="http://schemas.microsoft.com/sharepoint/v3/contenttype/forms"/>
-  </ds:schemaRefs>
-</ds:datastoreItem>
-</file>
-
-<file path=customXml/itemProps3.xml><?xml version="1.0" encoding="utf-8"?>
 <ds:datastoreItem xmlns:ds="http://schemas.openxmlformats.org/officeDocument/2006/customXml" ds:itemID="{92DB9E12-8AC3-4138-BF4D-720A5525AB10}">
   <ds:schemaRefs>
     <ds:schemaRef ds:uri="http://schemas.microsoft.com/office/2006/metadata/contentType"/>
@@ -10912,6 +11083,14 @@
 </ds:datastoreItem>
 </file>
 
+<file path=customXml/itemProps3.xml><?xml version="1.0" encoding="utf-8"?>
+<ds:datastoreItem xmlns:ds="http://schemas.openxmlformats.org/officeDocument/2006/customXml" ds:itemID="{C21FFAC0-05A2-416A-B06C-C248395482CF}">
+  <ds:schemaRefs>
+    <ds:schemaRef ds:uri="http://schemas.microsoft.com/sharepoint/v3/contenttype/forms"/>
+  </ds:schemaRefs>
+</ds:datastoreItem>
+</file>
+
 <file path=docMetadata/LabelInfo.xml><?xml version="1.0" encoding="utf-8"?>
 <clbl:labelList xmlns:clbl="http://schemas.microsoft.com/office/2020/mipLabelMetadata"/>
 </file>